--- a/Slides/Introduction.pptx
+++ b/Slides/Introduction.pptx
@@ -266,7 +266,7 @@
               <a:pPr>
                 <a:defRPr/>
               </a:pPr>
-              <a:t>6/23/2016</a:t>
+              <a:t>7/25/2016</a:t>
             </a:fld>
             <a:endParaRPr lang="en-US"/>
           </a:p>
@@ -4329,13 +4329,6 @@
               </a:rPr>
               <a:t>College</a:t>
             </a:r>
-            <a:endParaRPr lang="en-US" sz="4000" b="1" dirty="0" smtClean="0">
-              <a:solidFill>
-                <a:schemeClr val="bg2">
-                  <a:lumMod val="25000"/>
-                </a:schemeClr>
-              </a:solidFill>
-            </a:endParaRPr>
           </a:p>
         </p:txBody>
       </p:sp>
@@ -4428,11 +4421,7 @@
             <a:pPr eaLnBrk="1" hangingPunct="1"/>
             <a:r>
               <a:rPr lang="en-US" dirty="0" smtClean="0"/>
-              <a:t>Ph.D. in Fisheries from University of </a:t>
-            </a:r>
-            <a:r>
-              <a:rPr lang="en-US" dirty="0" smtClean="0"/>
-              <a:t>Minnesota</a:t>
+              <a:t>Ph.D. in Fisheries from University of Minnesota</a:t>
             </a:r>
           </a:p>
           <a:p>
@@ -4443,9 +4432,12 @@
             <a:pPr eaLnBrk="1" hangingPunct="1"/>
             <a:r>
               <a:rPr lang="en-US" dirty="0" smtClean="0"/>
-              <a:t>Author of Introductory Fisheries Analyses with R</a:t>
-            </a:r>
-            <a:endParaRPr lang="en-US" dirty="0" smtClean="0"/>
+              <a:t>Author of </a:t>
+            </a:r>
+            <a:r>
+              <a:rPr lang="en-US" i="1" dirty="0" smtClean="0"/>
+              <a:t>Introductory Fisheries Analyses with R</a:t>
+            </a:r>
           </a:p>
         </p:txBody>
       </p:sp>
@@ -5070,15 +5062,7 @@
             </a:pPr>
             <a:r>
               <a:rPr lang="en-US" dirty="0"/>
-              <a:t>Fit von </a:t>
-            </a:r>
-            <a:r>
-              <a:rPr lang="en-US" dirty="0" err="1"/>
-              <a:t>Bertalanffy</a:t>
-            </a:r>
-            <a:r>
-              <a:rPr lang="en-US" dirty="0"/>
-              <a:t> growth functions (VBGF) to length-age data.</a:t>
+              <a:t>Construct and apply an age-length key (ALK).</a:t>
             </a:r>
           </a:p>
           <a:p>
@@ -5090,8 +5074,20 @@
               <a:buAutoNum type="arabicPeriod"/>
             </a:pPr>
             <a:r>
+              <a:rPr lang="en-US" dirty="0" smtClean="0"/>
+              <a:t>Fit </a:t>
+            </a:r>
+            <a:r>
               <a:rPr lang="en-US" dirty="0"/>
-              <a:t>Statistically compare VBGF parameters between two or more groups of fish.</a:t>
+              <a:t>von </a:t>
+            </a:r>
+            <a:r>
+              <a:rPr lang="en-US" dirty="0" err="1"/>
+              <a:t>Bertalanffy</a:t>
+            </a:r>
+            <a:r>
+              <a:rPr lang="en-US" dirty="0"/>
+              <a:t> growth functions (VBGF) to length-age data.</a:t>
             </a:r>
           </a:p>
           <a:p>
@@ -5103,12 +5099,8 @@
               <a:buAutoNum type="arabicPeriod"/>
             </a:pPr>
             <a:r>
-              <a:rPr lang="en-US" dirty="0" smtClean="0"/>
-              <a:t>Compute </a:t>
-            </a:r>
-            <a:r>
               <a:rPr lang="en-US" dirty="0"/>
-              <a:t>metrics and construct graphics to compare two sets of age estimates.</a:t>
+              <a:t>Statistically compare VBGF parameters between two or more groups of fish.</a:t>
             </a:r>
           </a:p>
           <a:p>
@@ -5121,17 +5113,17 @@
             </a:pPr>
             <a:r>
               <a:rPr lang="en-US" dirty="0" smtClean="0"/>
-              <a:t>Construct </a:t>
+              <a:t>Compute </a:t>
             </a:r>
             <a:r>
               <a:rPr lang="en-US" dirty="0"/>
-              <a:t>and apply an age-length key (ALK</a:t>
+              <a:t>metrics and construct graphics to compare two sets of age estimates</a:t>
             </a:r>
             <a:r>
               <a:rPr lang="en-US" dirty="0" smtClean="0"/>
-              <a:t>).</a:t>
-            </a:r>
-            <a:endParaRPr lang="en-US" dirty="0" smtClean="0"/>
+              <a:t>.</a:t>
+            </a:r>
+            <a:endParaRPr lang="en-US" dirty="0"/>
           </a:p>
         </p:txBody>
       </p:sp>
